--- a/static/images/bseの図.pptx
+++ b/static/images/bseの図.pptx
@@ -7,6 +7,7 @@
   <p:sldIdLst>
     <p:sldId id="256" r:id="rId2"/>
     <p:sldId id="257" r:id="rId3"/>
+    <p:sldId id="258" r:id="rId4"/>
   </p:sldIdLst>
   <p:sldSz cx="12192000" cy="6858000"/>
   <p:notesSz cx="6858000" cy="9144000"/>
@@ -105,6 +106,11 @@
       </a:defRPr>
     </a:lvl9pPr>
   </p:defaultTextStyle>
+  <p:extLst>
+    <p:ext uri="{EFAFB233-063F-42B5-8137-9DF3F51BA10A}">
+      <p15:sldGuideLst xmlns:p15="http://schemas.microsoft.com/office/powerpoint/2012/main"/>
+    </p:ext>
+  </p:extLst>
 </p:presentation>
 </file>
 
@@ -5802,6 +5808,95 @@
 </p:sld>
 </file>
 
+<file path=ppt/slides/slide3.xml><?xml version="1.0" encoding="utf-8"?>
+<p:sld xmlns:a="http://schemas.openxmlformats.org/drawingml/2006/main" xmlns:r="http://schemas.openxmlformats.org/officeDocument/2006/relationships" xmlns:p="http://schemas.openxmlformats.org/presentationml/2006/main">
+  <p:cSld>
+    <p:spTree>
+      <p:nvGrpSpPr>
+        <p:cNvPr id="1" name=""/>
+        <p:cNvGrpSpPr/>
+        <p:nvPr/>
+      </p:nvGrpSpPr>
+      <p:grpSpPr>
+        <a:xfrm>
+          <a:off x="0" y="0"/>
+          <a:ext cx="0" cy="0"/>
+          <a:chOff x="0" y="0"/>
+          <a:chExt cx="0" cy="0"/>
+        </a:xfrm>
+      </p:grpSpPr>
+      <p:sp>
+        <p:nvSpPr>
+          <p:cNvPr id="4" name="矢印: 下 3">
+            <a:extLst>
+              <a:ext uri="{FF2B5EF4-FFF2-40B4-BE49-F238E27FC236}">
+                <a16:creationId xmlns:a16="http://schemas.microsoft.com/office/drawing/2014/main" id="{B7750260-B7D2-4398-8422-E068354798B2}"/>
+              </a:ext>
+            </a:extLst>
+          </p:cNvPr>
+          <p:cNvSpPr/>
+          <p:nvPr/>
+        </p:nvSpPr>
+        <p:spPr>
+          <a:xfrm>
+            <a:off x="5719233" y="3881967"/>
+            <a:ext cx="927100" cy="732366"/>
+          </a:xfrm>
+          <a:prstGeom prst="downArrow">
+            <a:avLst/>
+          </a:prstGeom>
+          <a:solidFill>
+            <a:schemeClr val="accent1">
+              <a:lumMod val="75000"/>
+            </a:schemeClr>
+          </a:solidFill>
+          <a:ln w="57150">
+            <a:solidFill>
+              <a:schemeClr val="accent1">
+                <a:lumMod val="60000"/>
+                <a:lumOff val="40000"/>
+              </a:schemeClr>
+            </a:solidFill>
+          </a:ln>
+        </p:spPr>
+        <p:style>
+          <a:lnRef idx="2">
+            <a:schemeClr val="accent1">
+              <a:shade val="50000"/>
+            </a:schemeClr>
+          </a:lnRef>
+          <a:fillRef idx="1">
+            <a:schemeClr val="accent1"/>
+          </a:fillRef>
+          <a:effectRef idx="0">
+            <a:schemeClr val="accent1"/>
+          </a:effectRef>
+          <a:fontRef idx="minor">
+            <a:schemeClr val="lt1"/>
+          </a:fontRef>
+        </p:style>
+        <p:txBody>
+          <a:bodyPr rtlCol="0" anchor="ctr"/>
+          <a:lstStyle/>
+          <a:p>
+            <a:pPr algn="ctr"/>
+            <a:endParaRPr kumimoji="1" lang="ja-JP" altLang="en-US"/>
+          </a:p>
+        </p:txBody>
+      </p:sp>
+    </p:spTree>
+    <p:extLst>
+      <p:ext uri="{BB962C8B-B14F-4D97-AF65-F5344CB8AC3E}">
+        <p14:creationId xmlns:p14="http://schemas.microsoft.com/office/powerpoint/2010/main" val="2762287963"/>
+      </p:ext>
+    </p:extLst>
+  </p:cSld>
+  <p:clrMapOvr>
+    <a:masterClrMapping/>
+  </p:clrMapOvr>
+</p:sld>
+</file>
+
 <file path=ppt/theme/theme1.xml><?xml version="1.0" encoding="utf-8"?>
 <a:theme xmlns:a="http://schemas.openxmlformats.org/drawingml/2006/main" name="Office テーマ">
   <a:themeElements>

--- a/static/images/bseの図.pptx
+++ b/static/images/bseの図.pptx
@@ -261,7 +261,7 @@
           <a:p>
             <a:fld id="{726CEFAF-5F62-437A-AF01-DB776293E594}" type="datetimeFigureOut">
               <a:rPr kumimoji="1" lang="ja-JP" altLang="en-US" smtClean="0"/>
-              <a:t>2021/6/19</a:t>
+              <a:t>2021/6/20</a:t>
             </a:fld>
             <a:endParaRPr kumimoji="1" lang="ja-JP" altLang="en-US"/>
           </a:p>
@@ -491,7 +491,7 @@
           <a:p>
             <a:fld id="{726CEFAF-5F62-437A-AF01-DB776293E594}" type="datetimeFigureOut">
               <a:rPr kumimoji="1" lang="ja-JP" altLang="en-US" smtClean="0"/>
-              <a:t>2021/6/19</a:t>
+              <a:t>2021/6/20</a:t>
             </a:fld>
             <a:endParaRPr kumimoji="1" lang="ja-JP" altLang="en-US"/>
           </a:p>
@@ -731,7 +731,7 @@
           <a:p>
             <a:fld id="{726CEFAF-5F62-437A-AF01-DB776293E594}" type="datetimeFigureOut">
               <a:rPr kumimoji="1" lang="ja-JP" altLang="en-US" smtClean="0"/>
-              <a:t>2021/6/19</a:t>
+              <a:t>2021/6/20</a:t>
             </a:fld>
             <a:endParaRPr kumimoji="1" lang="ja-JP" altLang="en-US"/>
           </a:p>
@@ -961,7 +961,7 @@
           <a:p>
             <a:fld id="{726CEFAF-5F62-437A-AF01-DB776293E594}" type="datetimeFigureOut">
               <a:rPr kumimoji="1" lang="ja-JP" altLang="en-US" smtClean="0"/>
-              <a:t>2021/6/19</a:t>
+              <a:t>2021/6/20</a:t>
             </a:fld>
             <a:endParaRPr kumimoji="1" lang="ja-JP" altLang="en-US"/>
           </a:p>
@@ -1236,7 +1236,7 @@
           <a:p>
             <a:fld id="{726CEFAF-5F62-437A-AF01-DB776293E594}" type="datetimeFigureOut">
               <a:rPr kumimoji="1" lang="ja-JP" altLang="en-US" smtClean="0"/>
-              <a:t>2021/6/19</a:t>
+              <a:t>2021/6/20</a:t>
             </a:fld>
             <a:endParaRPr kumimoji="1" lang="ja-JP" altLang="en-US"/>
           </a:p>
@@ -1565,7 +1565,7 @@
           <a:p>
             <a:fld id="{726CEFAF-5F62-437A-AF01-DB776293E594}" type="datetimeFigureOut">
               <a:rPr kumimoji="1" lang="ja-JP" altLang="en-US" smtClean="0"/>
-              <a:t>2021/6/19</a:t>
+              <a:t>2021/6/20</a:t>
             </a:fld>
             <a:endParaRPr kumimoji="1" lang="ja-JP" altLang="en-US"/>
           </a:p>
@@ -2041,7 +2041,7 @@
           <a:p>
             <a:fld id="{726CEFAF-5F62-437A-AF01-DB776293E594}" type="datetimeFigureOut">
               <a:rPr kumimoji="1" lang="ja-JP" altLang="en-US" smtClean="0"/>
-              <a:t>2021/6/19</a:t>
+              <a:t>2021/6/20</a:t>
             </a:fld>
             <a:endParaRPr kumimoji="1" lang="ja-JP" altLang="en-US"/>
           </a:p>
@@ -2182,7 +2182,7 @@
           <a:p>
             <a:fld id="{726CEFAF-5F62-437A-AF01-DB776293E594}" type="datetimeFigureOut">
               <a:rPr kumimoji="1" lang="ja-JP" altLang="en-US" smtClean="0"/>
-              <a:t>2021/6/19</a:t>
+              <a:t>2021/6/20</a:t>
             </a:fld>
             <a:endParaRPr kumimoji="1" lang="ja-JP" altLang="en-US"/>
           </a:p>
@@ -2295,7 +2295,7 @@
           <a:p>
             <a:fld id="{726CEFAF-5F62-437A-AF01-DB776293E594}" type="datetimeFigureOut">
               <a:rPr kumimoji="1" lang="ja-JP" altLang="en-US" smtClean="0"/>
-              <a:t>2021/6/19</a:t>
+              <a:t>2021/6/20</a:t>
             </a:fld>
             <a:endParaRPr kumimoji="1" lang="ja-JP" altLang="en-US"/>
           </a:p>
@@ -2638,7 +2638,7 @@
           <a:p>
             <a:fld id="{726CEFAF-5F62-437A-AF01-DB776293E594}" type="datetimeFigureOut">
               <a:rPr kumimoji="1" lang="ja-JP" altLang="en-US" smtClean="0"/>
-              <a:t>2021/6/19</a:t>
+              <a:t>2021/6/20</a:t>
             </a:fld>
             <a:endParaRPr kumimoji="1" lang="ja-JP" altLang="en-US"/>
           </a:p>
@@ -2926,7 +2926,7 @@
           <a:p>
             <a:fld id="{726CEFAF-5F62-437A-AF01-DB776293E594}" type="datetimeFigureOut">
               <a:rPr kumimoji="1" lang="ja-JP" altLang="en-US" smtClean="0"/>
-              <a:t>2021/6/19</a:t>
+              <a:t>2021/6/20</a:t>
             </a:fld>
             <a:endParaRPr kumimoji="1" lang="ja-JP" altLang="en-US"/>
           </a:p>
@@ -3199,7 +3199,7 @@
           <a:p>
             <a:fld id="{726CEFAF-5F62-437A-AF01-DB776293E594}" type="datetimeFigureOut">
               <a:rPr kumimoji="1" lang="ja-JP" altLang="en-US" smtClean="0"/>
-              <a:t>2021/6/19</a:t>
+              <a:t>2021/6/20</a:t>
             </a:fld>
             <a:endParaRPr kumimoji="1" lang="ja-JP" altLang="en-US"/>
           </a:p>
@@ -5884,6 +5884,137 @@
           </a:p>
         </p:txBody>
       </p:sp>
+      <p:grpSp>
+        <p:nvGrpSpPr>
+          <p:cNvPr id="6" name="グループ化 5">
+            <a:extLst>
+              <a:ext uri="{FF2B5EF4-FFF2-40B4-BE49-F238E27FC236}">
+                <a16:creationId xmlns:a16="http://schemas.microsoft.com/office/drawing/2014/main" id="{AAC0A9C5-C339-4CE5-8114-7C225D998569}"/>
+              </a:ext>
+            </a:extLst>
+          </p:cNvPr>
+          <p:cNvGrpSpPr/>
+          <p:nvPr/>
+        </p:nvGrpSpPr>
+        <p:grpSpPr>
+          <a:xfrm>
+            <a:off x="2133600" y="1464733"/>
+            <a:ext cx="1080000" cy="1080000"/>
+            <a:chOff x="2133600" y="1464733"/>
+            <a:chExt cx="1080000" cy="1080000"/>
+          </a:xfrm>
+        </p:grpSpPr>
+        <p:sp>
+          <p:nvSpPr>
+            <p:cNvPr id="2" name="楕円 1">
+              <a:extLst>
+                <a:ext uri="{FF2B5EF4-FFF2-40B4-BE49-F238E27FC236}">
+                  <a16:creationId xmlns:a16="http://schemas.microsoft.com/office/drawing/2014/main" id="{5B3AE140-94AF-4F62-ABE5-FB45CB9D9F29}"/>
+                </a:ext>
+              </a:extLst>
+            </p:cNvPr>
+            <p:cNvSpPr/>
+            <p:nvPr/>
+          </p:nvSpPr>
+          <p:spPr>
+            <a:xfrm>
+              <a:off x="2133600" y="1464733"/>
+              <a:ext cx="1080000" cy="1080000"/>
+            </a:xfrm>
+            <a:prstGeom prst="ellipse">
+              <a:avLst/>
+            </a:prstGeom>
+            <a:ln>
+              <a:solidFill>
+                <a:schemeClr val="accent1"/>
+              </a:solidFill>
+            </a:ln>
+          </p:spPr>
+          <p:style>
+            <a:lnRef idx="2">
+              <a:schemeClr val="accent1">
+                <a:shade val="50000"/>
+              </a:schemeClr>
+            </a:lnRef>
+            <a:fillRef idx="1">
+              <a:schemeClr val="accent1"/>
+            </a:fillRef>
+            <a:effectRef idx="0">
+              <a:schemeClr val="accent1"/>
+            </a:effectRef>
+            <a:fontRef idx="minor">
+              <a:schemeClr val="lt1"/>
+            </a:fontRef>
+          </p:style>
+          <p:txBody>
+            <a:bodyPr rtlCol="0" anchor="ctr"/>
+            <a:lstStyle/>
+            <a:p>
+              <a:pPr algn="ctr"/>
+              <a:endParaRPr kumimoji="1" lang="ja-JP" altLang="en-US"/>
+            </a:p>
+          </p:txBody>
+        </p:sp>
+        <p:sp>
+          <p:nvSpPr>
+            <p:cNvPr id="3" name="矢印: 山形 2">
+              <a:extLst>
+                <a:ext uri="{FF2B5EF4-FFF2-40B4-BE49-F238E27FC236}">
+                  <a16:creationId xmlns:a16="http://schemas.microsoft.com/office/drawing/2014/main" id="{DA631DC2-4595-447B-BE33-D3766CB464AB}"/>
+                </a:ext>
+              </a:extLst>
+            </p:cNvPr>
+            <p:cNvSpPr/>
+            <p:nvPr/>
+          </p:nvSpPr>
+          <p:spPr>
+            <a:xfrm rot="5400000">
+              <a:off x="2338920" y="1728122"/>
+              <a:ext cx="669359" cy="732171"/>
+            </a:xfrm>
+            <a:prstGeom prst="chevron">
+              <a:avLst/>
+            </a:prstGeom>
+            <a:solidFill>
+              <a:schemeClr val="bg1"/>
+            </a:solidFill>
+            <a:ln cap="rnd">
+              <a:solidFill>
+                <a:schemeClr val="bg1"/>
+              </a:solidFill>
+              <a:round/>
+            </a:ln>
+          </p:spPr>
+          <p:style>
+            <a:lnRef idx="2">
+              <a:schemeClr val="accent1">
+                <a:shade val="50000"/>
+              </a:schemeClr>
+            </a:lnRef>
+            <a:fillRef idx="1">
+              <a:schemeClr val="accent1"/>
+            </a:fillRef>
+            <a:effectRef idx="0">
+              <a:schemeClr val="accent1"/>
+            </a:effectRef>
+            <a:fontRef idx="minor">
+              <a:schemeClr val="lt1"/>
+            </a:fontRef>
+          </p:style>
+          <p:txBody>
+            <a:bodyPr rtlCol="0" anchor="ctr"/>
+            <a:lstStyle/>
+            <a:p>
+              <a:pPr algn="ctr"/>
+              <a:endParaRPr kumimoji="1" lang="ja-JP" altLang="en-US">
+                <a:solidFill>
+                  <a:schemeClr val="tx1"/>
+                </a:solidFill>
+              </a:endParaRPr>
+            </a:p>
+          </p:txBody>
+        </p:sp>
+      </p:grpSp>
     </p:spTree>
     <p:extLst>
       <p:ext uri="{BB962C8B-B14F-4D97-AF65-F5344CB8AC3E}">
